--- a/詳細仕様書/図表/UI/画面仕様.pptx
+++ b/詳細仕様書/図表/UI/画面仕様.pptx
@@ -278,7 +278,7 @@
           <a:p>
             <a:fld id="{AAF12C44-50F6-4F05-BDFE-2EB8BC6538E3}" type="datetimeFigureOut">
               <a:rPr kumimoji="1" lang="ja-JP" altLang="en-US" smtClean="0"/>
-              <a:t>2024/5/14</a:t>
+              <a:t>2024/5/17</a:t>
             </a:fld>
             <a:endParaRPr kumimoji="1" lang="ja-JP" altLang="en-US"/>
           </a:p>
@@ -508,7 +508,7 @@
           <a:p>
             <a:fld id="{AAF12C44-50F6-4F05-BDFE-2EB8BC6538E3}" type="datetimeFigureOut">
               <a:rPr kumimoji="1" lang="ja-JP" altLang="en-US" smtClean="0"/>
-              <a:t>2024/5/14</a:t>
+              <a:t>2024/5/17</a:t>
             </a:fld>
             <a:endParaRPr kumimoji="1" lang="ja-JP" altLang="en-US"/>
           </a:p>
@@ -748,7 +748,7 @@
           <a:p>
             <a:fld id="{AAF12C44-50F6-4F05-BDFE-2EB8BC6538E3}" type="datetimeFigureOut">
               <a:rPr kumimoji="1" lang="ja-JP" altLang="en-US" smtClean="0"/>
-              <a:t>2024/5/14</a:t>
+              <a:t>2024/5/17</a:t>
             </a:fld>
             <a:endParaRPr kumimoji="1" lang="ja-JP" altLang="en-US"/>
           </a:p>
@@ -978,7 +978,7 @@
           <a:p>
             <a:fld id="{AAF12C44-50F6-4F05-BDFE-2EB8BC6538E3}" type="datetimeFigureOut">
               <a:rPr kumimoji="1" lang="ja-JP" altLang="en-US" smtClean="0"/>
-              <a:t>2024/5/14</a:t>
+              <a:t>2024/5/17</a:t>
             </a:fld>
             <a:endParaRPr kumimoji="1" lang="ja-JP" altLang="en-US"/>
           </a:p>
@@ -1253,7 +1253,7 @@
           <a:p>
             <a:fld id="{AAF12C44-50F6-4F05-BDFE-2EB8BC6538E3}" type="datetimeFigureOut">
               <a:rPr kumimoji="1" lang="ja-JP" altLang="en-US" smtClean="0"/>
-              <a:t>2024/5/14</a:t>
+              <a:t>2024/5/17</a:t>
             </a:fld>
             <a:endParaRPr kumimoji="1" lang="ja-JP" altLang="en-US"/>
           </a:p>
@@ -1582,7 +1582,7 @@
           <a:p>
             <a:fld id="{AAF12C44-50F6-4F05-BDFE-2EB8BC6538E3}" type="datetimeFigureOut">
               <a:rPr kumimoji="1" lang="ja-JP" altLang="en-US" smtClean="0"/>
-              <a:t>2024/5/14</a:t>
+              <a:t>2024/5/17</a:t>
             </a:fld>
             <a:endParaRPr kumimoji="1" lang="ja-JP" altLang="en-US"/>
           </a:p>
@@ -2058,7 +2058,7 @@
           <a:p>
             <a:fld id="{AAF12C44-50F6-4F05-BDFE-2EB8BC6538E3}" type="datetimeFigureOut">
               <a:rPr kumimoji="1" lang="ja-JP" altLang="en-US" smtClean="0"/>
-              <a:t>2024/5/14</a:t>
+              <a:t>2024/5/17</a:t>
             </a:fld>
             <a:endParaRPr kumimoji="1" lang="ja-JP" altLang="en-US"/>
           </a:p>
@@ -2199,7 +2199,7 @@
           <a:p>
             <a:fld id="{AAF12C44-50F6-4F05-BDFE-2EB8BC6538E3}" type="datetimeFigureOut">
               <a:rPr kumimoji="1" lang="ja-JP" altLang="en-US" smtClean="0"/>
-              <a:t>2024/5/14</a:t>
+              <a:t>2024/5/17</a:t>
             </a:fld>
             <a:endParaRPr kumimoji="1" lang="ja-JP" altLang="en-US"/>
           </a:p>
@@ -2312,7 +2312,7 @@
           <a:p>
             <a:fld id="{AAF12C44-50F6-4F05-BDFE-2EB8BC6538E3}" type="datetimeFigureOut">
               <a:rPr kumimoji="1" lang="ja-JP" altLang="en-US" smtClean="0"/>
-              <a:t>2024/5/14</a:t>
+              <a:t>2024/5/17</a:t>
             </a:fld>
             <a:endParaRPr kumimoji="1" lang="ja-JP" altLang="en-US"/>
           </a:p>
@@ -2655,7 +2655,7 @@
           <a:p>
             <a:fld id="{AAF12C44-50F6-4F05-BDFE-2EB8BC6538E3}" type="datetimeFigureOut">
               <a:rPr kumimoji="1" lang="ja-JP" altLang="en-US" smtClean="0"/>
-              <a:t>2024/5/14</a:t>
+              <a:t>2024/5/17</a:t>
             </a:fld>
             <a:endParaRPr kumimoji="1" lang="ja-JP" altLang="en-US"/>
           </a:p>
@@ -2943,7 +2943,7 @@
           <a:p>
             <a:fld id="{AAF12C44-50F6-4F05-BDFE-2EB8BC6538E3}" type="datetimeFigureOut">
               <a:rPr kumimoji="1" lang="ja-JP" altLang="en-US" smtClean="0"/>
-              <a:t>2024/5/14</a:t>
+              <a:t>2024/5/17</a:t>
             </a:fld>
             <a:endParaRPr kumimoji="1" lang="ja-JP" altLang="en-US"/>
           </a:p>
@@ -3216,7 +3216,7 @@
           <a:p>
             <a:fld id="{AAF12C44-50F6-4F05-BDFE-2EB8BC6538E3}" type="datetimeFigureOut">
               <a:rPr kumimoji="1" lang="ja-JP" altLang="en-US" smtClean="0"/>
-              <a:t>2024/5/14</a:t>
+              <a:t>2024/5/17</a:t>
             </a:fld>
             <a:endParaRPr kumimoji="1" lang="ja-JP" altLang="en-US"/>
           </a:p>
@@ -12162,14 +12162,14 @@
           <a:p>
             <a:pPr algn="ctr"/>
             <a:r>
-              <a:rPr kumimoji="1" lang="en-US" altLang="ja-JP">
+              <a:rPr lang="en-US" altLang="ja-JP" dirty="0">
                 <a:solidFill>
                   <a:schemeClr val="tx1"/>
                 </a:solidFill>
               </a:rPr>
-              <a:t>5</a:t>
-            </a:r>
-            <a:endParaRPr kumimoji="1" lang="ja-JP" altLang="en-US"/>
+              <a:t>7</a:t>
+            </a:r>
+            <a:endParaRPr kumimoji="1" lang="ja-JP" altLang="en-US" dirty="0"/>
           </a:p>
         </p:txBody>
       </p:sp>
@@ -12224,14 +12224,14 @@
           <a:p>
             <a:pPr algn="ctr"/>
             <a:r>
-              <a:rPr kumimoji="1" lang="en-US" altLang="ja-JP">
+              <a:rPr lang="en-US" altLang="ja-JP" dirty="0">
                 <a:solidFill>
                   <a:schemeClr val="tx1"/>
                 </a:solidFill>
               </a:rPr>
-              <a:t>5</a:t>
-            </a:r>
-            <a:endParaRPr kumimoji="1" lang="ja-JP" altLang="en-US"/>
+              <a:t>7</a:t>
+            </a:r>
+            <a:endParaRPr kumimoji="1" lang="ja-JP" altLang="en-US" dirty="0"/>
           </a:p>
         </p:txBody>
       </p:sp>
@@ -12286,14 +12286,14 @@
           <a:p>
             <a:pPr algn="ctr"/>
             <a:r>
-              <a:rPr kumimoji="1" lang="en-US" altLang="ja-JP">
+              <a:rPr lang="en-US" altLang="ja-JP" dirty="0">
                 <a:solidFill>
                   <a:schemeClr val="tx1"/>
                 </a:solidFill>
               </a:rPr>
-              <a:t>5</a:t>
-            </a:r>
-            <a:endParaRPr kumimoji="1" lang="ja-JP" altLang="en-US"/>
+              <a:t>7</a:t>
+            </a:r>
+            <a:endParaRPr kumimoji="1" lang="ja-JP" altLang="en-US" dirty="0"/>
           </a:p>
         </p:txBody>
       </p:sp>
@@ -12348,14 +12348,14 @@
           <a:p>
             <a:pPr algn="ctr"/>
             <a:r>
-              <a:rPr kumimoji="1" lang="en-US" altLang="ja-JP">
+              <a:rPr lang="en-US" altLang="ja-JP" dirty="0">
                 <a:solidFill>
                   <a:schemeClr val="tx1"/>
                 </a:solidFill>
               </a:rPr>
-              <a:t>5</a:t>
-            </a:r>
-            <a:endParaRPr kumimoji="1" lang="ja-JP" altLang="en-US"/>
+              <a:t>7</a:t>
+            </a:r>
+            <a:endParaRPr kumimoji="1" lang="ja-JP" altLang="en-US" dirty="0"/>
           </a:p>
         </p:txBody>
       </p:sp>
@@ -12410,14 +12410,14 @@
           <a:p>
             <a:pPr algn="ctr"/>
             <a:r>
-              <a:rPr kumimoji="1" lang="en-US" altLang="ja-JP">
+              <a:rPr lang="en-US" altLang="ja-JP" dirty="0">
                 <a:solidFill>
                   <a:schemeClr val="tx1"/>
                 </a:solidFill>
               </a:rPr>
-              <a:t>5</a:t>
-            </a:r>
-            <a:endParaRPr kumimoji="1" lang="ja-JP" altLang="en-US"/>
+              <a:t>7</a:t>
+            </a:r>
+            <a:endParaRPr kumimoji="1" lang="ja-JP" altLang="en-US" dirty="0"/>
           </a:p>
         </p:txBody>
       </p:sp>
@@ -12472,14 +12472,14 @@
           <a:p>
             <a:pPr algn="ctr"/>
             <a:r>
-              <a:rPr kumimoji="1" lang="en-US" altLang="ja-JP">
+              <a:rPr lang="en-US" altLang="ja-JP" dirty="0">
                 <a:solidFill>
                   <a:schemeClr val="tx1"/>
                 </a:solidFill>
               </a:rPr>
-              <a:t>5</a:t>
-            </a:r>
-            <a:endParaRPr kumimoji="1" lang="ja-JP" altLang="en-US"/>
+              <a:t>7</a:t>
+            </a:r>
+            <a:endParaRPr kumimoji="1" lang="ja-JP" altLang="en-US" dirty="0"/>
           </a:p>
         </p:txBody>
       </p:sp>
@@ -12534,14 +12534,14 @@
           <a:p>
             <a:pPr algn="ctr"/>
             <a:r>
-              <a:rPr kumimoji="1" lang="en-US" altLang="ja-JP">
+              <a:rPr lang="en-US" altLang="ja-JP" dirty="0">
                 <a:solidFill>
                   <a:schemeClr val="tx1"/>
                 </a:solidFill>
               </a:rPr>
-              <a:t>5</a:t>
-            </a:r>
-            <a:endParaRPr kumimoji="1" lang="ja-JP" altLang="en-US"/>
+              <a:t>7</a:t>
+            </a:r>
+            <a:endParaRPr kumimoji="1" lang="ja-JP" altLang="en-US" dirty="0"/>
           </a:p>
         </p:txBody>
       </p:sp>
@@ -14209,12 +14209,12 @@
           <a:p>
             <a:pPr algn="ctr"/>
             <a:r>
-              <a:rPr kumimoji="1" lang="en-US" altLang="ja-JP" dirty="0">
+              <a:rPr lang="en-US" altLang="ja-JP" dirty="0">
                 <a:solidFill>
                   <a:schemeClr val="tx1"/>
                 </a:solidFill>
               </a:rPr>
-              <a:t>6</a:t>
+              <a:t>8</a:t>
             </a:r>
             <a:endParaRPr kumimoji="1" lang="ja-JP" altLang="en-US" dirty="0">
               <a:solidFill>
@@ -14275,12 +14275,12 @@
           <a:p>
             <a:pPr algn="ctr"/>
             <a:r>
-              <a:rPr kumimoji="1" lang="en-US" altLang="ja-JP" dirty="0">
+              <a:rPr lang="en-US" altLang="ja-JP" dirty="0">
                 <a:solidFill>
                   <a:schemeClr val="tx1"/>
                 </a:solidFill>
               </a:rPr>
-              <a:t>2</a:t>
+              <a:t>4</a:t>
             </a:r>
             <a:endParaRPr kumimoji="1" lang="ja-JP" altLang="en-US" dirty="0">
               <a:solidFill>
@@ -18091,14 +18091,14 @@
           <a:p>
             <a:pPr algn="ctr"/>
             <a:r>
-              <a:rPr kumimoji="1" lang="en-US" altLang="ja-JP">
+              <a:rPr lang="en-US" altLang="ja-JP" dirty="0">
                 <a:solidFill>
                   <a:schemeClr val="tx1"/>
                 </a:solidFill>
               </a:rPr>
-              <a:t>5</a:t>
-            </a:r>
-            <a:endParaRPr kumimoji="1" lang="ja-JP" altLang="en-US"/>
+              <a:t>7</a:t>
+            </a:r>
+            <a:endParaRPr kumimoji="1" lang="ja-JP" altLang="en-US" dirty="0"/>
           </a:p>
         </p:txBody>
       </p:sp>
@@ -18153,14 +18153,14 @@
           <a:p>
             <a:pPr algn="ctr"/>
             <a:r>
-              <a:rPr kumimoji="1" lang="en-US" altLang="ja-JP">
+              <a:rPr lang="en-US" altLang="ja-JP" dirty="0">
                 <a:solidFill>
                   <a:schemeClr val="tx1"/>
                 </a:solidFill>
               </a:rPr>
-              <a:t>5</a:t>
-            </a:r>
-            <a:endParaRPr kumimoji="1" lang="ja-JP" altLang="en-US"/>
+              <a:t>7</a:t>
+            </a:r>
+            <a:endParaRPr kumimoji="1" lang="ja-JP" altLang="en-US" dirty="0"/>
           </a:p>
         </p:txBody>
       </p:sp>
@@ -18215,14 +18215,14 @@
           <a:p>
             <a:pPr algn="ctr"/>
             <a:r>
-              <a:rPr kumimoji="1" lang="en-US" altLang="ja-JP">
+              <a:rPr kumimoji="1" lang="en-US" altLang="ja-JP" dirty="0">
                 <a:solidFill>
                   <a:schemeClr val="tx1"/>
                 </a:solidFill>
               </a:rPr>
-              <a:t>5</a:t>
-            </a:r>
-            <a:endParaRPr kumimoji="1" lang="ja-JP" altLang="en-US"/>
+              <a:t>7</a:t>
+            </a:r>
+            <a:endParaRPr kumimoji="1" lang="ja-JP" altLang="en-US" dirty="0"/>
           </a:p>
         </p:txBody>
       </p:sp>
@@ -18277,14 +18277,14 @@
           <a:p>
             <a:pPr algn="ctr"/>
             <a:r>
-              <a:rPr kumimoji="1" lang="en-US" altLang="ja-JP">
+              <a:rPr kumimoji="1" lang="en-US" altLang="ja-JP" dirty="0">
                 <a:solidFill>
                   <a:schemeClr val="tx1"/>
                 </a:solidFill>
               </a:rPr>
-              <a:t>5</a:t>
-            </a:r>
-            <a:endParaRPr kumimoji="1" lang="ja-JP" altLang="en-US"/>
+              <a:t>7</a:t>
+            </a:r>
+            <a:endParaRPr kumimoji="1" lang="ja-JP" altLang="en-US" dirty="0"/>
           </a:p>
         </p:txBody>
       </p:sp>
@@ -18339,14 +18339,14 @@
           <a:p>
             <a:pPr algn="ctr"/>
             <a:r>
-              <a:rPr kumimoji="1" lang="en-US" altLang="ja-JP">
+              <a:rPr kumimoji="1" lang="en-US" altLang="ja-JP" dirty="0">
                 <a:solidFill>
                   <a:schemeClr val="tx1"/>
                 </a:solidFill>
               </a:rPr>
-              <a:t>5</a:t>
-            </a:r>
-            <a:endParaRPr kumimoji="1" lang="ja-JP" altLang="en-US"/>
+              <a:t>7</a:t>
+            </a:r>
+            <a:endParaRPr kumimoji="1" lang="ja-JP" altLang="en-US" dirty="0"/>
           </a:p>
         </p:txBody>
       </p:sp>
@@ -18401,14 +18401,14 @@
           <a:p>
             <a:pPr algn="ctr"/>
             <a:r>
-              <a:rPr kumimoji="1" lang="en-US" altLang="ja-JP">
+              <a:rPr kumimoji="1" lang="en-US" altLang="ja-JP" dirty="0">
                 <a:solidFill>
                   <a:schemeClr val="tx1"/>
                 </a:solidFill>
               </a:rPr>
-              <a:t>5</a:t>
-            </a:r>
-            <a:endParaRPr kumimoji="1" lang="ja-JP" altLang="en-US"/>
+              <a:t>7</a:t>
+            </a:r>
+            <a:endParaRPr kumimoji="1" lang="ja-JP" altLang="en-US" dirty="0"/>
           </a:p>
         </p:txBody>
       </p:sp>
@@ -18463,14 +18463,14 @@
           <a:p>
             <a:pPr algn="ctr"/>
             <a:r>
-              <a:rPr kumimoji="1" lang="en-US" altLang="ja-JP">
+              <a:rPr lang="en-US" altLang="ja-JP" dirty="0">
                 <a:solidFill>
                   <a:schemeClr val="tx1"/>
                 </a:solidFill>
               </a:rPr>
-              <a:t>5</a:t>
-            </a:r>
-            <a:endParaRPr kumimoji="1" lang="ja-JP" altLang="en-US"/>
+              <a:t>7</a:t>
+            </a:r>
+            <a:endParaRPr kumimoji="1" lang="ja-JP" altLang="en-US" dirty="0"/>
           </a:p>
         </p:txBody>
       </p:sp>
@@ -19167,12 +19167,12 @@
           <a:p>
             <a:pPr algn="ctr"/>
             <a:r>
-              <a:rPr kumimoji="1" lang="en-US" altLang="ja-JP" dirty="0">
+              <a:rPr lang="en-US" altLang="ja-JP" dirty="0">
                 <a:solidFill>
                   <a:schemeClr val="tx1"/>
                 </a:solidFill>
               </a:rPr>
-              <a:t>45</a:t>
+              <a:t>50</a:t>
             </a:r>
             <a:endParaRPr kumimoji="1" lang="ja-JP" altLang="en-US" dirty="0">
               <a:solidFill>
@@ -19238,7 +19238,7 @@
                   <a:schemeClr val="tx1"/>
                 </a:solidFill>
               </a:rPr>
-              <a:t>11</a:t>
+              <a:t>16</a:t>
             </a:r>
             <a:endParaRPr kumimoji="1" lang="ja-JP" altLang="en-US" dirty="0"/>
           </a:p>
@@ -19300,7 +19300,7 @@
                   <a:schemeClr val="tx1"/>
                 </a:solidFill>
               </a:rPr>
-              <a:t>10</a:t>
+              <a:t>15</a:t>
             </a:r>
             <a:endParaRPr kumimoji="1" lang="ja-JP" altLang="en-US" dirty="0">
               <a:solidFill>
@@ -19852,14 +19852,14 @@
           <a:p>
             <a:pPr algn="ctr"/>
             <a:r>
-              <a:rPr kumimoji="1" lang="en-US" altLang="ja-JP">
+              <a:rPr kumimoji="1" lang="en-US" altLang="ja-JP" dirty="0">
                 <a:solidFill>
                   <a:schemeClr val="tx1"/>
                 </a:solidFill>
               </a:rPr>
-              <a:t>45</a:t>
-            </a:r>
-            <a:endParaRPr kumimoji="1" lang="ja-JP" altLang="en-US"/>
+              <a:t>50</a:t>
+            </a:r>
+            <a:endParaRPr kumimoji="1" lang="ja-JP" altLang="en-US" dirty="0"/>
           </a:p>
         </p:txBody>
       </p:sp>
@@ -19914,14 +19914,14 @@
           <a:p>
             <a:pPr algn="ctr"/>
             <a:r>
-              <a:rPr kumimoji="1" lang="en-US" altLang="ja-JP">
+              <a:rPr kumimoji="1" lang="en-US" altLang="ja-JP" dirty="0">
                 <a:solidFill>
                   <a:schemeClr val="tx1"/>
                 </a:solidFill>
               </a:rPr>
-              <a:t>45</a:t>
-            </a:r>
-            <a:endParaRPr kumimoji="1" lang="ja-JP" altLang="en-US"/>
+              <a:t>50</a:t>
+            </a:r>
+            <a:endParaRPr kumimoji="1" lang="ja-JP" altLang="en-US" dirty="0"/>
           </a:p>
         </p:txBody>
       </p:sp>
@@ -19976,14 +19976,14 @@
           <a:p>
             <a:pPr algn="ctr"/>
             <a:r>
-              <a:rPr kumimoji="1" lang="en-US" altLang="ja-JP">
+              <a:rPr kumimoji="1" lang="en-US" altLang="ja-JP" dirty="0">
                 <a:solidFill>
                   <a:schemeClr val="tx1"/>
                 </a:solidFill>
               </a:rPr>
-              <a:t>45</a:t>
-            </a:r>
-            <a:endParaRPr kumimoji="1" lang="ja-JP" altLang="en-US"/>
+              <a:t>50</a:t>
+            </a:r>
+            <a:endParaRPr kumimoji="1" lang="ja-JP" altLang="en-US" dirty="0"/>
           </a:p>
         </p:txBody>
       </p:sp>
@@ -20038,14 +20038,14 @@
           <a:p>
             <a:pPr algn="ctr"/>
             <a:r>
-              <a:rPr kumimoji="1" lang="en-US" altLang="ja-JP">
+              <a:rPr kumimoji="1" lang="en-US" altLang="ja-JP" dirty="0">
                 <a:solidFill>
                   <a:schemeClr val="tx1"/>
                 </a:solidFill>
               </a:rPr>
-              <a:t>45</a:t>
-            </a:r>
-            <a:endParaRPr kumimoji="1" lang="ja-JP" altLang="en-US"/>
+              <a:t>50</a:t>
+            </a:r>
+            <a:endParaRPr kumimoji="1" lang="ja-JP" altLang="en-US" dirty="0"/>
           </a:p>
         </p:txBody>
       </p:sp>
@@ -20100,14 +20100,14 @@
           <a:p>
             <a:pPr algn="ctr"/>
             <a:r>
-              <a:rPr kumimoji="1" lang="en-US" altLang="ja-JP">
+              <a:rPr kumimoji="1" lang="en-US" altLang="ja-JP" dirty="0">
                 <a:solidFill>
                   <a:schemeClr val="tx1"/>
                 </a:solidFill>
               </a:rPr>
-              <a:t>45</a:t>
-            </a:r>
-            <a:endParaRPr kumimoji="1" lang="ja-JP" altLang="en-US"/>
+              <a:t>50</a:t>
+            </a:r>
+            <a:endParaRPr kumimoji="1" lang="ja-JP" altLang="en-US" dirty="0"/>
           </a:p>
         </p:txBody>
       </p:sp>
@@ -23319,14 +23319,14 @@
           <a:p>
             <a:pPr algn="ctr"/>
             <a:r>
-              <a:rPr kumimoji="1" lang="en-US" altLang="ja-JP">
+              <a:rPr lang="en-US" altLang="ja-JP" dirty="0">
                 <a:solidFill>
                   <a:schemeClr val="tx1"/>
                 </a:solidFill>
               </a:rPr>
-              <a:t>5</a:t>
-            </a:r>
-            <a:endParaRPr kumimoji="1" lang="ja-JP" altLang="en-US"/>
+              <a:t>7</a:t>
+            </a:r>
+            <a:endParaRPr kumimoji="1" lang="ja-JP" altLang="en-US" dirty="0"/>
           </a:p>
         </p:txBody>
       </p:sp>
@@ -23381,14 +23381,14 @@
           <a:p>
             <a:pPr algn="ctr"/>
             <a:r>
-              <a:rPr kumimoji="1" lang="en-US" altLang="ja-JP">
+              <a:rPr lang="en-US" altLang="ja-JP" dirty="0">
                 <a:solidFill>
                   <a:schemeClr val="tx1"/>
                 </a:solidFill>
               </a:rPr>
-              <a:t>5</a:t>
-            </a:r>
-            <a:endParaRPr kumimoji="1" lang="ja-JP" altLang="en-US"/>
+              <a:t>7</a:t>
+            </a:r>
+            <a:endParaRPr kumimoji="1" lang="ja-JP" altLang="en-US" dirty="0"/>
           </a:p>
         </p:txBody>
       </p:sp>
@@ -23443,14 +23443,14 @@
           <a:p>
             <a:pPr algn="ctr"/>
             <a:r>
-              <a:rPr kumimoji="1" lang="en-US" altLang="ja-JP">
+              <a:rPr lang="en-US" altLang="ja-JP" dirty="0">
                 <a:solidFill>
                   <a:schemeClr val="tx1"/>
                 </a:solidFill>
               </a:rPr>
-              <a:t>5</a:t>
-            </a:r>
-            <a:endParaRPr kumimoji="1" lang="ja-JP" altLang="en-US"/>
+              <a:t>7</a:t>
+            </a:r>
+            <a:endParaRPr kumimoji="1" lang="ja-JP" altLang="en-US" dirty="0"/>
           </a:p>
         </p:txBody>
       </p:sp>
@@ -23505,14 +23505,14 @@
           <a:p>
             <a:pPr algn="ctr"/>
             <a:r>
-              <a:rPr kumimoji="1" lang="en-US" altLang="ja-JP">
+              <a:rPr lang="en-US" altLang="ja-JP" dirty="0">
                 <a:solidFill>
                   <a:schemeClr val="tx1"/>
                 </a:solidFill>
               </a:rPr>
-              <a:t>5</a:t>
-            </a:r>
-            <a:endParaRPr kumimoji="1" lang="ja-JP" altLang="en-US"/>
+              <a:t>7</a:t>
+            </a:r>
+            <a:endParaRPr kumimoji="1" lang="ja-JP" altLang="en-US" dirty="0"/>
           </a:p>
         </p:txBody>
       </p:sp>
@@ -23567,14 +23567,14 @@
           <a:p>
             <a:pPr algn="ctr"/>
             <a:r>
-              <a:rPr kumimoji="1" lang="en-US" altLang="ja-JP">
+              <a:rPr lang="en-US" altLang="ja-JP" dirty="0">
                 <a:solidFill>
                   <a:schemeClr val="tx1"/>
                 </a:solidFill>
               </a:rPr>
-              <a:t>5</a:t>
-            </a:r>
-            <a:endParaRPr kumimoji="1" lang="ja-JP" altLang="en-US"/>
+              <a:t>7</a:t>
+            </a:r>
+            <a:endParaRPr kumimoji="1" lang="ja-JP" altLang="en-US" dirty="0"/>
           </a:p>
         </p:txBody>
       </p:sp>
@@ -23629,14 +23629,14 @@
           <a:p>
             <a:pPr algn="ctr"/>
             <a:r>
-              <a:rPr kumimoji="1" lang="en-US" altLang="ja-JP">
+              <a:rPr lang="en-US" altLang="ja-JP" dirty="0">
                 <a:solidFill>
                   <a:schemeClr val="tx1"/>
                 </a:solidFill>
               </a:rPr>
-              <a:t>5</a:t>
-            </a:r>
-            <a:endParaRPr kumimoji="1" lang="ja-JP" altLang="en-US"/>
+              <a:t>7</a:t>
+            </a:r>
+            <a:endParaRPr kumimoji="1" lang="ja-JP" altLang="en-US" dirty="0"/>
           </a:p>
         </p:txBody>
       </p:sp>
@@ -23691,14 +23691,14 @@
           <a:p>
             <a:pPr algn="ctr"/>
             <a:r>
-              <a:rPr kumimoji="1" lang="en-US" altLang="ja-JP">
+              <a:rPr lang="en-US" altLang="ja-JP" dirty="0">
                 <a:solidFill>
                   <a:schemeClr val="tx1"/>
                 </a:solidFill>
               </a:rPr>
-              <a:t>5</a:t>
-            </a:r>
-            <a:endParaRPr kumimoji="1" lang="ja-JP" altLang="en-US"/>
+              <a:t>7</a:t>
+            </a:r>
+            <a:endParaRPr kumimoji="1" lang="ja-JP" altLang="en-US" dirty="0"/>
           </a:p>
         </p:txBody>
       </p:sp>
@@ -24387,12 +24387,12 @@
           <a:p>
             <a:pPr algn="ctr"/>
             <a:r>
-              <a:rPr kumimoji="1" lang="en-US" altLang="ja-JP" dirty="0">
+              <a:rPr lang="en-US" altLang="ja-JP" dirty="0">
                 <a:solidFill>
                   <a:schemeClr val="tx1"/>
                 </a:solidFill>
               </a:rPr>
-              <a:t>45</a:t>
+              <a:t>50</a:t>
             </a:r>
             <a:endParaRPr kumimoji="1" lang="ja-JP" altLang="en-US" dirty="0">
               <a:solidFill>
@@ -24458,7 +24458,7 @@
                   <a:schemeClr val="tx1"/>
                 </a:solidFill>
               </a:rPr>
-              <a:t>19</a:t>
+              <a:t>24</a:t>
             </a:r>
             <a:endParaRPr kumimoji="1" lang="ja-JP" altLang="en-US" dirty="0">
               <a:solidFill>
@@ -24524,7 +24524,7 @@
                   <a:schemeClr val="tx1"/>
                 </a:solidFill>
               </a:rPr>
-              <a:t>10</a:t>
+              <a:t>15</a:t>
             </a:r>
             <a:endParaRPr kumimoji="1" lang="ja-JP" altLang="en-US" dirty="0">
               <a:solidFill>
@@ -25080,14 +25080,14 @@
           <a:p>
             <a:pPr algn="ctr"/>
             <a:r>
-              <a:rPr kumimoji="1" lang="en-US" altLang="ja-JP">
+              <a:rPr kumimoji="1" lang="en-US" altLang="ja-JP" dirty="0">
                 <a:solidFill>
                   <a:schemeClr val="tx1"/>
                 </a:solidFill>
               </a:rPr>
-              <a:t>45</a:t>
-            </a:r>
-            <a:endParaRPr kumimoji="1" lang="ja-JP" altLang="en-US"/>
+              <a:t>50</a:t>
+            </a:r>
+            <a:endParaRPr kumimoji="1" lang="ja-JP" altLang="en-US" dirty="0"/>
           </a:p>
         </p:txBody>
       </p:sp>
@@ -25142,14 +25142,14 @@
           <a:p>
             <a:pPr algn="ctr"/>
             <a:r>
-              <a:rPr kumimoji="1" lang="en-US" altLang="ja-JP">
+              <a:rPr kumimoji="1" lang="en-US" altLang="ja-JP" dirty="0">
                 <a:solidFill>
                   <a:schemeClr val="tx1"/>
                 </a:solidFill>
               </a:rPr>
-              <a:t>45</a:t>
-            </a:r>
-            <a:endParaRPr kumimoji="1" lang="ja-JP" altLang="en-US"/>
+              <a:t>50</a:t>
+            </a:r>
+            <a:endParaRPr kumimoji="1" lang="ja-JP" altLang="en-US" dirty="0"/>
           </a:p>
         </p:txBody>
       </p:sp>
@@ -25204,14 +25204,14 @@
           <a:p>
             <a:pPr algn="ctr"/>
             <a:r>
-              <a:rPr kumimoji="1" lang="en-US" altLang="ja-JP">
+              <a:rPr kumimoji="1" lang="en-US" altLang="ja-JP" dirty="0">
                 <a:solidFill>
                   <a:schemeClr val="tx1"/>
                 </a:solidFill>
               </a:rPr>
-              <a:t>45</a:t>
-            </a:r>
-            <a:endParaRPr kumimoji="1" lang="ja-JP" altLang="en-US"/>
+              <a:t>50</a:t>
+            </a:r>
+            <a:endParaRPr kumimoji="1" lang="ja-JP" altLang="en-US" dirty="0"/>
           </a:p>
         </p:txBody>
       </p:sp>
@@ -25266,14 +25266,14 @@
           <a:p>
             <a:pPr algn="ctr"/>
             <a:r>
-              <a:rPr kumimoji="1" lang="en-US" altLang="ja-JP">
+              <a:rPr kumimoji="1" lang="en-US" altLang="ja-JP" dirty="0">
                 <a:solidFill>
                   <a:schemeClr val="tx1"/>
                 </a:solidFill>
               </a:rPr>
-              <a:t>45</a:t>
-            </a:r>
-            <a:endParaRPr kumimoji="1" lang="ja-JP" altLang="en-US"/>
+              <a:t>50</a:t>
+            </a:r>
+            <a:endParaRPr kumimoji="1" lang="ja-JP" altLang="en-US" dirty="0"/>
           </a:p>
         </p:txBody>
       </p:sp>
@@ -25328,14 +25328,14 @@
           <a:p>
             <a:pPr algn="ctr"/>
             <a:r>
-              <a:rPr kumimoji="1" lang="en-US" altLang="ja-JP">
+              <a:rPr kumimoji="1" lang="en-US" altLang="ja-JP" dirty="0">
                 <a:solidFill>
                   <a:schemeClr val="tx1"/>
                 </a:solidFill>
               </a:rPr>
-              <a:t>45</a:t>
-            </a:r>
-            <a:endParaRPr kumimoji="1" lang="ja-JP" altLang="en-US"/>
+              <a:t>50</a:t>
+            </a:r>
+            <a:endParaRPr kumimoji="1" lang="ja-JP" altLang="en-US" dirty="0"/>
           </a:p>
         </p:txBody>
       </p:sp>

--- a/詳細仕様書/図表/UI/画面仕様.pptx
+++ b/詳細仕様書/図表/UI/画面仕様.pptx
@@ -278,7 +278,7 @@
           <a:p>
             <a:fld id="{AAF12C44-50F6-4F05-BDFE-2EB8BC6538E3}" type="datetimeFigureOut">
               <a:rPr kumimoji="1" lang="ja-JP" altLang="en-US" smtClean="0"/>
-              <a:t>2024/5/17</a:t>
+              <a:t>2024/5/22</a:t>
             </a:fld>
             <a:endParaRPr kumimoji="1" lang="ja-JP" altLang="en-US"/>
           </a:p>
@@ -508,7 +508,7 @@
           <a:p>
             <a:fld id="{AAF12C44-50F6-4F05-BDFE-2EB8BC6538E3}" type="datetimeFigureOut">
               <a:rPr kumimoji="1" lang="ja-JP" altLang="en-US" smtClean="0"/>
-              <a:t>2024/5/17</a:t>
+              <a:t>2024/5/22</a:t>
             </a:fld>
             <a:endParaRPr kumimoji="1" lang="ja-JP" altLang="en-US"/>
           </a:p>
@@ -748,7 +748,7 @@
           <a:p>
             <a:fld id="{AAF12C44-50F6-4F05-BDFE-2EB8BC6538E3}" type="datetimeFigureOut">
               <a:rPr kumimoji="1" lang="ja-JP" altLang="en-US" smtClean="0"/>
-              <a:t>2024/5/17</a:t>
+              <a:t>2024/5/22</a:t>
             </a:fld>
             <a:endParaRPr kumimoji="1" lang="ja-JP" altLang="en-US"/>
           </a:p>
@@ -978,7 +978,7 @@
           <a:p>
             <a:fld id="{AAF12C44-50F6-4F05-BDFE-2EB8BC6538E3}" type="datetimeFigureOut">
               <a:rPr kumimoji="1" lang="ja-JP" altLang="en-US" smtClean="0"/>
-              <a:t>2024/5/17</a:t>
+              <a:t>2024/5/22</a:t>
             </a:fld>
             <a:endParaRPr kumimoji="1" lang="ja-JP" altLang="en-US"/>
           </a:p>
@@ -1253,7 +1253,7 @@
           <a:p>
             <a:fld id="{AAF12C44-50F6-4F05-BDFE-2EB8BC6538E3}" type="datetimeFigureOut">
               <a:rPr kumimoji="1" lang="ja-JP" altLang="en-US" smtClean="0"/>
-              <a:t>2024/5/17</a:t>
+              <a:t>2024/5/22</a:t>
             </a:fld>
             <a:endParaRPr kumimoji="1" lang="ja-JP" altLang="en-US"/>
           </a:p>
@@ -1582,7 +1582,7 @@
           <a:p>
             <a:fld id="{AAF12C44-50F6-4F05-BDFE-2EB8BC6538E3}" type="datetimeFigureOut">
               <a:rPr kumimoji="1" lang="ja-JP" altLang="en-US" smtClean="0"/>
-              <a:t>2024/5/17</a:t>
+              <a:t>2024/5/22</a:t>
             </a:fld>
             <a:endParaRPr kumimoji="1" lang="ja-JP" altLang="en-US"/>
           </a:p>
@@ -2058,7 +2058,7 @@
           <a:p>
             <a:fld id="{AAF12C44-50F6-4F05-BDFE-2EB8BC6538E3}" type="datetimeFigureOut">
               <a:rPr kumimoji="1" lang="ja-JP" altLang="en-US" smtClean="0"/>
-              <a:t>2024/5/17</a:t>
+              <a:t>2024/5/22</a:t>
             </a:fld>
             <a:endParaRPr kumimoji="1" lang="ja-JP" altLang="en-US"/>
           </a:p>
@@ -2199,7 +2199,7 @@
           <a:p>
             <a:fld id="{AAF12C44-50F6-4F05-BDFE-2EB8BC6538E3}" type="datetimeFigureOut">
               <a:rPr kumimoji="1" lang="ja-JP" altLang="en-US" smtClean="0"/>
-              <a:t>2024/5/17</a:t>
+              <a:t>2024/5/22</a:t>
             </a:fld>
             <a:endParaRPr kumimoji="1" lang="ja-JP" altLang="en-US"/>
           </a:p>
@@ -2312,7 +2312,7 @@
           <a:p>
             <a:fld id="{AAF12C44-50F6-4F05-BDFE-2EB8BC6538E3}" type="datetimeFigureOut">
               <a:rPr kumimoji="1" lang="ja-JP" altLang="en-US" smtClean="0"/>
-              <a:t>2024/5/17</a:t>
+              <a:t>2024/5/22</a:t>
             </a:fld>
             <a:endParaRPr kumimoji="1" lang="ja-JP" altLang="en-US"/>
           </a:p>
@@ -2655,7 +2655,7 @@
           <a:p>
             <a:fld id="{AAF12C44-50F6-4F05-BDFE-2EB8BC6538E3}" type="datetimeFigureOut">
               <a:rPr kumimoji="1" lang="ja-JP" altLang="en-US" smtClean="0"/>
-              <a:t>2024/5/17</a:t>
+              <a:t>2024/5/22</a:t>
             </a:fld>
             <a:endParaRPr kumimoji="1" lang="ja-JP" altLang="en-US"/>
           </a:p>
@@ -2943,7 +2943,7 @@
           <a:p>
             <a:fld id="{AAF12C44-50F6-4F05-BDFE-2EB8BC6538E3}" type="datetimeFigureOut">
               <a:rPr kumimoji="1" lang="ja-JP" altLang="en-US" smtClean="0"/>
-              <a:t>2024/5/17</a:t>
+              <a:t>2024/5/22</a:t>
             </a:fld>
             <a:endParaRPr kumimoji="1" lang="ja-JP" altLang="en-US"/>
           </a:p>
@@ -3216,7 +3216,7 @@
           <a:p>
             <a:fld id="{AAF12C44-50F6-4F05-BDFE-2EB8BC6538E3}" type="datetimeFigureOut">
               <a:rPr kumimoji="1" lang="ja-JP" altLang="en-US" smtClean="0"/>
-              <a:t>2024/5/17</a:t>
+              <a:t>2024/5/22</a:t>
             </a:fld>
             <a:endParaRPr kumimoji="1" lang="ja-JP" altLang="en-US"/>
           </a:p>
@@ -14209,12 +14209,20 @@
           <a:p>
             <a:pPr algn="ctr"/>
             <a:r>
-              <a:rPr lang="en-US" altLang="ja-JP" dirty="0">
+              <a:rPr kumimoji="1" lang="en-US" altLang="ja-JP">
                 <a:solidFill>
                   <a:schemeClr val="tx1"/>
                 </a:solidFill>
               </a:rPr>
-              <a:t>8</a:t>
+              <a:t>1</a:t>
+            </a:r>
+            <a:r>
+              <a:rPr kumimoji="1" lang="en-US" altLang="ja-JP" dirty="0">
+                <a:solidFill>
+                  <a:schemeClr val="tx1"/>
+                </a:solidFill>
+              </a:rPr>
+              <a:t>0</a:t>
             </a:r>
             <a:endParaRPr kumimoji="1" lang="ja-JP" altLang="en-US" dirty="0">
               <a:solidFill>
